--- a/Presentation/Basics Of Python.pptx
+++ b/Presentation/Basics Of Python.pptx
@@ -151,7 +151,7 @@
   <pc:docChgLst>
     <pc:chgData name="Shakir Sadiq" userId="4a446af224e95155" providerId="LiveId" clId="{4787B7C7-0A43-4294-AF0C-DAA817024029}"/>
     <pc:docChg chg="undo custSel addSld delSld modSld sldOrd">
-      <pc:chgData name="Shakir Sadiq" userId="4a446af224e95155" providerId="LiveId" clId="{4787B7C7-0A43-4294-AF0C-DAA817024029}" dt="2021-02-26T08:39:43.213" v="1528" actId="20577"/>
+      <pc:chgData name="Shakir Sadiq" userId="4a446af224e95155" providerId="LiveId" clId="{4787B7C7-0A43-4294-AF0C-DAA817024029}" dt="2021-03-10T06:52:42.098" v="1531" actId="1076"/>
       <pc:docMkLst>
         <pc:docMk/>
       </pc:docMkLst>
@@ -1354,7 +1354,7 @@
         </pc:spChg>
       </pc:sldChg>
       <pc:sldChg chg="addSp delSp modSp mod delDesignElem">
-        <pc:chgData name="Shakir Sadiq" userId="4a446af224e95155" providerId="LiveId" clId="{4787B7C7-0A43-4294-AF0C-DAA817024029}" dt="2021-02-24T10:30:43.659" v="1187" actId="2711"/>
+        <pc:chgData name="Shakir Sadiq" userId="4a446af224e95155" providerId="LiveId" clId="{4787B7C7-0A43-4294-AF0C-DAA817024029}" dt="2021-03-10T06:52:42.098" v="1531" actId="1076"/>
         <pc:sldMkLst>
           <pc:docMk/>
           <pc:sldMk cId="763441032" sldId="267"/>
@@ -1368,7 +1368,7 @@
           </ac:spMkLst>
         </pc:spChg>
         <pc:spChg chg="mod">
-          <ac:chgData name="Shakir Sadiq" userId="4a446af224e95155" providerId="LiveId" clId="{4787B7C7-0A43-4294-AF0C-DAA817024029}" dt="2021-02-24T08:54:05.114" v="822" actId="1076"/>
+          <ac:chgData name="Shakir Sadiq" userId="4a446af224e95155" providerId="LiveId" clId="{4787B7C7-0A43-4294-AF0C-DAA817024029}" dt="2021-03-10T06:52:42.098" v="1531" actId="1076"/>
           <ac:spMkLst>
             <pc:docMk/>
             <pc:sldMk cId="763441032" sldId="267"/>
@@ -1431,8 +1431,8 @@
             <ac:spMk id="20" creationId="{1849CA57-76BD-4CF2-80BA-D7A46A01B7B1}"/>
           </ac:spMkLst>
         </pc:spChg>
-        <pc:spChg chg="mod">
-          <ac:chgData name="Shakir Sadiq" userId="4a446af224e95155" providerId="LiveId" clId="{4787B7C7-0A43-4294-AF0C-DAA817024029}" dt="2021-02-24T10:30:43.659" v="1187" actId="2711"/>
+        <pc:spChg chg="del mod">
+          <ac:chgData name="Shakir Sadiq" userId="4a446af224e95155" providerId="LiveId" clId="{4787B7C7-0A43-4294-AF0C-DAA817024029}" dt="2021-03-10T06:52:39.317" v="1530" actId="21"/>
           <ac:spMkLst>
             <pc:docMk/>
             <pc:sldMk cId="763441032" sldId="267"/>
@@ -1447,8 +1447,8 @@
             <ac:spMk id="22" creationId="{35E9085E-E730-4768-83D4-6CB7E9897153}"/>
           </ac:spMkLst>
         </pc:spChg>
-        <pc:spChg chg="mod">
-          <ac:chgData name="Shakir Sadiq" userId="4a446af224e95155" providerId="LiveId" clId="{4787B7C7-0A43-4294-AF0C-DAA817024029}" dt="2021-02-24T08:54:09.946" v="823" actId="1076"/>
+        <pc:spChg chg="del mod">
+          <ac:chgData name="Shakir Sadiq" userId="4a446af224e95155" providerId="LiveId" clId="{4787B7C7-0A43-4294-AF0C-DAA817024029}" dt="2021-03-10T06:52:34.271" v="1529" actId="21"/>
           <ac:spMkLst>
             <pc:docMk/>
             <pc:sldMk cId="763441032" sldId="267"/>
@@ -2926,7 +2926,7 @@
             <a:fld id="{B61BEF0D-F0BB-DE4B-95CE-6DB70DBA9567}" type="datetimeFigureOut">
               <a:rPr lang="en-US" smtClean="0"/>
               <a:pPr/>
-              <a:t>3/9/2021</a:t>
+              <a:t>3/10/2021</a:t>
             </a:fld>
             <a:endParaRPr lang="en-US" dirty="0"/>
           </a:p>
@@ -3148,7 +3148,7 @@
             <a:fld id="{B61BEF0D-F0BB-DE4B-95CE-6DB70DBA9567}" type="datetimeFigureOut">
               <a:rPr lang="en-US" smtClean="0"/>
               <a:pPr/>
-              <a:t>3/9/2021</a:t>
+              <a:t>3/10/2021</a:t>
             </a:fld>
             <a:endParaRPr lang="en-US" dirty="0"/>
           </a:p>
@@ -3374,7 +3374,7 @@
             <a:fld id="{B61BEF0D-F0BB-DE4B-95CE-6DB70DBA9567}" type="datetimeFigureOut">
               <a:rPr lang="en-US" smtClean="0"/>
               <a:pPr/>
-              <a:t>3/9/2021</a:t>
+              <a:t>3/10/2021</a:t>
             </a:fld>
             <a:endParaRPr lang="en-US" dirty="0"/>
           </a:p>
@@ -3589,7 +3589,7 @@
           <a:p>
             <a:fld id="{52647F38-B617-4D2F-AE0A-013F0C4D2C57}" type="datetimeFigureOut">
               <a:rPr lang="en-US" smtClean="0"/>
-              <a:t>3/9/2021</a:t>
+              <a:t>3/10/2021</a:t>
             </a:fld>
             <a:endParaRPr lang="en-US" dirty="0"/>
           </a:p>
@@ -3882,7 +3882,7 @@
             <a:fld id="{B61BEF0D-F0BB-DE4B-95CE-6DB70DBA9567}" type="datetimeFigureOut">
               <a:rPr lang="en-US" smtClean="0"/>
               <a:pPr/>
-              <a:t>3/9/2021</a:t>
+              <a:t>3/10/2021</a:t>
             </a:fld>
             <a:endParaRPr lang="en-US" dirty="0"/>
           </a:p>
@@ -4160,7 +4160,7 @@
           <a:p>
             <a:fld id="{05BFA754-D5C3-4E66-96A6-867B257F58DC}" type="datetimeFigureOut">
               <a:rPr lang="en-US" smtClean="0"/>
-              <a:t>3/9/2021</a:t>
+              <a:t>3/10/2021</a:t>
             </a:fld>
             <a:endParaRPr lang="en-US" dirty="0"/>
           </a:p>
@@ -4586,7 +4586,7 @@
             <a:fld id="{B61BEF0D-F0BB-DE4B-95CE-6DB70DBA9567}" type="datetimeFigureOut">
               <a:rPr lang="en-US" smtClean="0"/>
               <a:pPr/>
-              <a:t>3/9/2021</a:t>
+              <a:t>3/10/2021</a:t>
             </a:fld>
             <a:endParaRPr lang="en-US" dirty="0"/>
           </a:p>
@@ -4746,7 +4746,7 @@
             <a:fld id="{B61BEF0D-F0BB-DE4B-95CE-6DB70DBA9567}" type="datetimeFigureOut">
               <a:rPr lang="en-US" smtClean="0"/>
               <a:pPr/>
-              <a:t>3/9/2021</a:t>
+              <a:t>3/10/2021</a:t>
             </a:fld>
             <a:endParaRPr lang="en-US" dirty="0"/>
           </a:p>
@@ -4883,7 +4883,7 @@
             <a:fld id="{B61BEF0D-F0BB-DE4B-95CE-6DB70DBA9567}" type="datetimeFigureOut">
               <a:rPr lang="en-US" smtClean="0"/>
               <a:pPr/>
-              <a:t>3/9/2021</a:t>
+              <a:t>3/10/2021</a:t>
             </a:fld>
             <a:endParaRPr lang="en-US" dirty="0"/>
           </a:p>
@@ -5136,7 +5136,7 @@
             <a:fld id="{B61BEF0D-F0BB-DE4B-95CE-6DB70DBA9567}" type="datetimeFigureOut">
               <a:rPr lang="en-US" smtClean="0"/>
               <a:pPr/>
-              <a:t>3/9/2021</a:t>
+              <a:t>3/10/2021</a:t>
             </a:fld>
             <a:endParaRPr lang="en-US" dirty="0"/>
           </a:p>
@@ -5598,7 +5598,7 @@
             <a:fld id="{B61BEF0D-F0BB-DE4B-95CE-6DB70DBA9567}" type="datetimeFigureOut">
               <a:rPr lang="en-US" smtClean="0"/>
               <a:pPr/>
-              <a:t>3/9/2021</a:t>
+              <a:t>3/10/2021</a:t>
             </a:fld>
             <a:endParaRPr lang="en-US" dirty="0"/>
           </a:p>
@@ -5982,7 +5982,7 @@
             <a:fld id="{B61BEF0D-F0BB-DE4B-95CE-6DB70DBA9567}" type="datetimeFigureOut">
               <a:rPr lang="en-US" smtClean="0"/>
               <a:pPr/>
-              <a:t>3/9/2021</a:t>
+              <a:t>3/10/2021</a:t>
             </a:fld>
             <a:endParaRPr lang="en-US" dirty="0"/>
           </a:p>
@@ -8041,7 +8041,7 @@
         </p:nvSpPr>
         <p:spPr>
           <a:xfrm>
-            <a:off x="1067473" y="858192"/>
+            <a:off x="1054220" y="1467792"/>
             <a:ext cx="9705374" cy="2923877"/>
           </a:xfrm>
           <a:prstGeom prst="rect">
@@ -8186,145 +8186,6 @@
               </a:rPr>
               <a:t>en() – length of the tuple.</a:t>
             </a:r>
-          </a:p>
-        </p:txBody>
-      </p:sp>
-      <p:sp>
-        <p:nvSpPr>
-          <p:cNvPr id="21" name="Title 1">
-            <a:extLst>
-              <a:ext uri="{FF2B5EF4-FFF2-40B4-BE49-F238E27FC236}">
-                <a16:creationId xmlns:a16="http://schemas.microsoft.com/office/drawing/2014/main" id="{B293211B-D5F7-4CEB-94DA-ED073CF35B07}"/>
-              </a:ext>
-            </a:extLst>
-          </p:cNvPr>
-          <p:cNvSpPr txBox="1">
-            <a:spLocks/>
-          </p:cNvSpPr>
-          <p:nvPr/>
-        </p:nvSpPr>
-        <p:spPr>
-          <a:xfrm>
-            <a:off x="-16815" y="3574457"/>
-            <a:ext cx="12191999" cy="1145330"/>
-          </a:xfrm>
-          <a:prstGeom prst="rect">
-            <a:avLst/>
-          </a:prstGeom>
-          <a:noFill/>
-        </p:spPr>
-        <p:txBody>
-          <a:bodyPr vert="horz" lIns="91440" tIns="45720" rIns="91440" bIns="45720" rtlCol="0" anchor="ctr">
-            <a:normAutofit/>
-          </a:bodyPr>
-          <a:lstStyle>
-            <a:lvl1pPr algn="ctr" defTabSz="914400" rtl="0" eaLnBrk="1" latinLnBrk="0" hangingPunct="1">
-              <a:lnSpc>
-                <a:spcPct val="90000"/>
-              </a:lnSpc>
-              <a:spcBef>
-                <a:spcPct val="0"/>
-              </a:spcBef>
-              <a:buNone/>
-              <a:defRPr sz="6000" kern="1200">
-                <a:solidFill>
-                  <a:schemeClr val="tx1"/>
-                </a:solidFill>
-                <a:latin typeface="+mj-lt"/>
-                <a:ea typeface="+mj-ea"/>
-                <a:cs typeface="+mj-cs"/>
-              </a:defRPr>
-            </a:lvl1pPr>
-          </a:lstStyle>
-          <a:p>
-            <a:r>
-              <a:rPr lang="en-US" sz="3600" dirty="0">
-                <a:solidFill>
-                  <a:srgbClr val="080808"/>
-                </a:solidFill>
-                <a:latin typeface="Lithos Pro Regular" panose="04020505030E02020A04" pitchFamily="82" charset="0"/>
-                <a:cs typeface="Times New Roman" panose="02020603050405020304" pitchFamily="18" charset="0"/>
-              </a:rPr>
-              <a:t>Comprehension</a:t>
-            </a:r>
-          </a:p>
-        </p:txBody>
-      </p:sp>
-      <p:sp>
-        <p:nvSpPr>
-          <p:cNvPr id="23" name="TextBox 22">
-            <a:extLst>
-              <a:ext uri="{FF2B5EF4-FFF2-40B4-BE49-F238E27FC236}">
-                <a16:creationId xmlns:a16="http://schemas.microsoft.com/office/drawing/2014/main" id="{F735A408-B49A-49BC-B61C-C1E2ED5170A2}"/>
-              </a:ext>
-            </a:extLst>
-          </p:cNvPr>
-          <p:cNvSpPr txBox="1"/>
-          <p:nvPr/>
-        </p:nvSpPr>
-        <p:spPr>
-          <a:xfrm>
-            <a:off x="1173489" y="4719787"/>
-            <a:ext cx="9705374" cy="1323439"/>
-          </a:xfrm>
-          <a:prstGeom prst="rect">
-            <a:avLst/>
-          </a:prstGeom>
-          <a:noFill/>
-        </p:spPr>
-        <p:txBody>
-          <a:bodyPr wrap="square" rtlCol="0">
-            <a:spAutoFit/>
-          </a:bodyPr>
-          <a:lstStyle/>
-          <a:p>
-            <a:pPr marL="285750" indent="-285750">
-              <a:buFont typeface="Arial" panose="020B0604020202020204" pitchFamily="34" charset="0"/>
-              <a:buChar char="•"/>
-            </a:pPr>
-            <a:r>
-              <a:rPr lang="en-US" sz="2000" b="0" i="0" dirty="0">
-                <a:effectLst/>
-                <a:latin typeface="Times New Roman" panose="02020603050405020304" pitchFamily="18" charset="0"/>
-                <a:cs typeface="Times New Roman" panose="02020603050405020304" pitchFamily="18" charset="0"/>
-              </a:rPr>
-              <a:t>Comprehension offers a shorter syntax.</a:t>
-            </a:r>
-          </a:p>
-          <a:p>
-            <a:pPr marL="285750" indent="-285750">
-              <a:buFont typeface="Arial" panose="020B0604020202020204" pitchFamily="34" charset="0"/>
-              <a:buChar char="•"/>
-            </a:pPr>
-            <a:r>
-              <a:rPr lang="en-US" sz="2000" dirty="0">
-                <a:latin typeface="Times New Roman" panose="02020603050405020304" pitchFamily="18" charset="0"/>
-                <a:cs typeface="Times New Roman" panose="02020603050405020304" pitchFamily="18" charset="0"/>
-              </a:rPr>
-              <a:t>List comprehension syntax:</a:t>
-            </a:r>
-          </a:p>
-          <a:p>
-            <a:pPr lvl="3"/>
-            <a:r>
-              <a:rPr lang="en-US" sz="2000" dirty="0">
-                <a:latin typeface="Times New Roman" panose="02020603050405020304" pitchFamily="18" charset="0"/>
-                <a:cs typeface="Times New Roman" panose="02020603050405020304" pitchFamily="18" charset="0"/>
-              </a:rPr>
-              <a:t>[expression for item in list]</a:t>
-            </a:r>
-            <a:br>
-              <a:rPr lang="en-US" sz="2000" b="0" i="0" dirty="0">
-                <a:effectLst/>
-                <a:latin typeface="Times New Roman" panose="02020603050405020304" pitchFamily="18" charset="0"/>
-                <a:cs typeface="Times New Roman" panose="02020603050405020304" pitchFamily="18" charset="0"/>
-              </a:rPr>
-            </a:br>
-            <a:endParaRPr lang="en-US" sz="2000" b="0" i="0" dirty="0">
-              <a:effectLst/>
-              <a:latin typeface="Times New Roman" panose="02020603050405020304" pitchFamily="18" charset="0"/>
-              <a:cs typeface="Times New Roman" panose="02020603050405020304" pitchFamily="18" charset="0"/>
-            </a:endParaRPr>
           </a:p>
         </p:txBody>
       </p:sp>
